--- a/2018-04-20_klientserwer.pptx
+++ b/2018-04-20_klientserwer.pptx
@@ -13877,27 +13877,17 @@
               <a:rPr lang="pl-PL" altLang="pl-PL" sz="2400" dirty="0"/>
               <a:t>Standard restowych API został stworzony na bazie doświadczeń pochodzących z prac nad standardem W3C HTTP 1.1. </a:t>
             </a:r>
-            <a:endParaRPr lang="pl-PL" altLang="pl-PL" sz="2400" dirty="0"/>
           </a:p>
           <a:p>
             <a:r>
               <a:rPr lang="pl-PL" altLang="pl-PL" sz="2400" dirty="0"/>
-              <a:t>Nie musisz </a:t>
-            </a:r>
+              <a:t>Nie musisz tworzyć np. własnego mechanizmu uwierzytelniania; wystarczy, że skorzystasz z HTTP Basic Auth, by uniemożliwić dostęp nieupoważnionym osobom. </a:t>
+            </a:r>
+          </a:p>
+          <a:p>
             <a:r>
               <a:rPr lang="pl-PL" altLang="pl-PL" sz="2400" dirty="0"/>
-              <a:t>tworzyć np. własnego mechanizmu uwierzytelniania; wystarczy, że skorzystasz z HTTP Basic Auth, by uniemożliwić dostęp nieupoważnionym osobom. </a:t>
-            </a:r>
-            <a:endParaRPr lang="pl-PL" altLang="pl-PL" sz="2400" dirty="0"/>
-          </a:p>
-          <a:p>
-            <a:r>
-              <a:rPr lang="pl-PL" altLang="pl-PL" sz="2400" dirty="0"/>
-              <a:t>Korzystaj </a:t>
-            </a:r>
-            <a:r>
-              <a:rPr lang="pl-PL" altLang="pl-PL" sz="2400" dirty="0"/>
-              <a:t>z tego, co już jest zrealizowane i dostępne. </a:t>
+              <a:t>Korzystaj z tego, co już jest zrealizowane i dostępne. </a:t>
             </a:r>
           </a:p>
         </p:txBody>
@@ -14921,7 +14911,7 @@
                 <a:latin typeface="Arial" panose="020B0604020202020204" pitchFamily="34" charset="0"/>
                 <a:cs typeface="Arial" panose="020B0604020202020204" pitchFamily="34" charset="0"/>
               </a:rPr>
-              <a:t>Angular?</a:t>
+              <a:t>Angular</a:t>
             </a:r>
             <a:endParaRPr lang="pl-PL" altLang="pl-PL" dirty="0">
               <a:latin typeface="Arial" panose="020B0604020202020204" pitchFamily="34" charset="0"/>
@@ -14973,6 +14963,13 @@
   <p:clrMapOvr>
     <a:masterClrMapping/>
   </p:clrMapOvr>
+  <p:timing>
+    <p:tnLst>
+      <p:par>
+        <p:cTn id="1" dur="indefinite" restart="never" nodeType="tmRoot"/>
+      </p:par>
+    </p:tnLst>
+  </p:timing>
 </p:sld>
 </file>
 
@@ -16638,11 +16635,7 @@
           <a:p>
             <a:r>
               <a:rPr lang="pl-PL" dirty="0" smtClean="0"/>
-              <a:t>Angular HTTP </a:t>
-            </a:r>
-            <a:r>
-              <a:rPr lang="pl-PL" dirty="0" smtClean="0"/>
-              <a:t>Client</a:t>
+              <a:t>Angular HTTP Client</a:t>
             </a:r>
             <a:endParaRPr lang="pl-PL" dirty="0"/>
           </a:p>
@@ -16672,19 +16665,7 @@
           <a:p>
             <a:r>
               <a:rPr lang="pl-PL" sz="2400" dirty="0" smtClean="0"/>
-              <a:t>Pozwala wykonywać zapytania </a:t>
-            </a:r>
-            <a:r>
-              <a:rPr lang="pl-PL" sz="2400" dirty="0" smtClean="0"/>
-              <a:t>GET</a:t>
-            </a:r>
-            <a:r>
-              <a:rPr lang="pl-PL" sz="2400" dirty="0" smtClean="0"/>
-              <a:t>, POST, PUT, </a:t>
-            </a:r>
-            <a:r>
-              <a:rPr lang="pl-PL" sz="2400" dirty="0" smtClean="0"/>
-              <a:t>DELETE </a:t>
+              <a:t>Pozwala wykonywać zapytania GET, POST, PUT, DELETE </a:t>
             </a:r>
           </a:p>
           <a:p>
@@ -16692,38 +16673,20 @@
               <a:rPr lang="pl-PL" sz="2400" dirty="0" smtClean="0"/>
               <a:t>Co jest potrzebne?</a:t>
             </a:r>
-            <a:endParaRPr lang="pl-PL" sz="2400" dirty="0" smtClean="0"/>
           </a:p>
           <a:p>
             <a:pPr lvl="1"/>
             <a:r>
               <a:rPr lang="pl-PL" sz="2000" dirty="0" smtClean="0"/>
-              <a:t>Import HttpClientModule </a:t>
-            </a:r>
+              <a:t>Import HttpClientModule do app.module </a:t>
+            </a:r>
+          </a:p>
+          <a:p>
+            <a:pPr lvl="1"/>
             <a:r>
               <a:rPr lang="pl-PL" sz="2000" dirty="0" smtClean="0"/>
-              <a:t>do </a:t>
-            </a:r>
-            <a:r>
-              <a:rPr lang="pl-PL" sz="2000" dirty="0" smtClean="0"/>
-              <a:t>app.module </a:t>
-            </a:r>
-          </a:p>
-          <a:p>
-            <a:pPr lvl="1"/>
-            <a:r>
-              <a:rPr lang="pl-PL" sz="2000" dirty="0" smtClean="0"/>
-              <a:t>Wstrzyknięcie </a:t>
-            </a:r>
-            <a:r>
-              <a:rPr lang="pl-PL" sz="2000" dirty="0" smtClean="0"/>
-              <a:t>HttpClient </a:t>
-            </a:r>
-            <a:r>
-              <a:rPr lang="pl-PL" sz="2000" dirty="0" smtClean="0"/>
-              <a:t>do naszego serwisu http</a:t>
-            </a:r>
-            <a:endParaRPr lang="pl-PL" sz="2000" dirty="0" smtClean="0"/>
+              <a:t>Wstrzyknięcie HttpClient do naszego serwisu http</a:t>
+            </a:r>
           </a:p>
           <a:p>
             <a:pPr lvl="1"/>
@@ -17160,11 +17123,7 @@
           <a:p>
             <a:r>
               <a:rPr lang="pl-PL" dirty="0" smtClean="0"/>
-              <a:t>Po </a:t>
-            </a:r>
-            <a:r>
-              <a:rPr lang="pl-PL" dirty="0" smtClean="0"/>
-              <a:t>BrowserModule!</a:t>
+              <a:t>Po BrowserModule!</a:t>
             </a:r>
             <a:endParaRPr lang="pl-PL" dirty="0"/>
           </a:p>
@@ -18639,6 +18598,36 @@
           </a:extLst>
         </p:spPr>
       </p:pic>
+      <p:pic>
+        <p:nvPicPr>
+          <p:cNvPr id="3" name="Picture 2"/>
+          <p:cNvPicPr>
+            <a:picLocks noChangeAspect="1"/>
+          </p:cNvPicPr>
+          <p:nvPr/>
+        </p:nvPicPr>
+        <p:blipFill>
+          <a:blip r:embed="rId3">
+            <a:extLst>
+              <a:ext uri="{28A0092B-C50C-407E-A947-70E740481C1C}">
+                <a14:useLocalDpi xmlns:a14="http://schemas.microsoft.com/office/drawing/2010/main" val="0"/>
+              </a:ext>
+            </a:extLst>
+          </a:blip>
+          <a:stretch>
+            <a:fillRect/>
+          </a:stretch>
+        </p:blipFill>
+        <p:spPr>
+          <a:xfrm>
+            <a:off x="5635586" y="6308155"/>
+            <a:ext cx="1234445" cy="290457"/>
+          </a:xfrm>
+          <a:prstGeom prst="rect">
+            <a:avLst/>
+          </a:prstGeom>
+        </p:spPr>
+      </p:pic>
     </p:spTree>
     <p:extLst>
       <p:ext uri="{BB962C8B-B14F-4D97-AF65-F5344CB8AC3E}">
@@ -18649,6 +18638,13 @@
   <p:clrMapOvr>
     <a:masterClrMapping/>
   </p:clrMapOvr>
+  <p:timing>
+    <p:tnLst>
+      <p:par>
+        <p:cTn id="1" dur="indefinite" restart="never" nodeType="tmRoot"/>
+      </p:par>
+    </p:tnLst>
+  </p:timing>
 </p:sld>
 </file>
 
@@ -20352,30 +20348,17 @@
               <a:rPr lang="pl-PL" altLang="pl-PL" sz="2400" dirty="0"/>
               <a:t>Najprościej rzecz ujmując, REST jest zbiorem reguł, których powinien przestrzegać programista. </a:t>
             </a:r>
-            <a:endParaRPr lang="pl-PL" altLang="pl-PL" sz="2400" dirty="0"/>
           </a:p>
           <a:p>
             <a:r>
               <a:rPr lang="pl-PL" altLang="pl-PL" sz="2400" dirty="0"/>
-              <a:t>Z </a:t>
-            </a:r>
+              <a:t>Z kolei w ujęciu bardziej technicznym, jest to wzorzec architektury oprogramowania, który opisuje jak operować zapytaniami do API i wprowadza zestaw dobrych praktyk.</a:t>
+            </a:r>
+          </a:p>
+          <a:p>
             <a:r>
               <a:rPr lang="pl-PL" altLang="pl-PL" sz="2400" dirty="0"/>
-              <a:t>kolei w ujęciu bardziej technicznym, jest to wzorzec architektury oprogramowania, który opisuje jak operować zapytaniami do API i wprowadza zestaw dobrych </a:t>
-            </a:r>
-            <a:r>
-              <a:rPr lang="pl-PL" altLang="pl-PL" sz="2400" dirty="0"/>
-              <a:t>praktyk.</a:t>
-            </a:r>
-          </a:p>
-          <a:p>
-            <a:r>
-              <a:rPr lang="pl-PL" altLang="pl-PL" sz="2400" dirty="0"/>
-              <a:t>REST </a:t>
-            </a:r>
-            <a:r>
-              <a:rPr lang="pl-PL" altLang="pl-PL" sz="2400" dirty="0"/>
-              <a:t>ułatwia obsługę żądań i odpowiedzi w nowy i łatwiejszy sposób, bez konieczności odwoływania się do złożonych dokumentacji.</a:t>
+              <a:t>REST ułatwia obsługę żądań i odpowiedzi w nowy i łatwiejszy sposób, bez konieczności odwoływania się do złożonych dokumentacji.</a:t>
             </a:r>
           </a:p>
         </p:txBody>
